--- a/lessons/Presentation-1-2-1-Borel-Fields-and-Kolmogorov-Axioms.pptx
+++ b/lessons/Presentation-1-2-1-Borel-Fields-and-Kolmogorov-Axioms.pptx
@@ -123,7 +123,6 @@
       </a:defRPr>
     </a:lvl9pPr>
   </p:defaultTextStyle>
-  <p:modifyVerifier cryptProviderType="rsaAES" cryptAlgorithmClass="hash" cryptAlgorithmType="typeAny" cryptAlgorithmSid="14" spinCount="100000" saltData="WYk5hol7pq1dyZoJApX7Bg==" hashData="wKeHIqAqypvtIejK8L9ZmAKzh1MX9bWVByFK7n1CFVh5ihHBUF1LITR7lAGOLSd6tQiI32C1ctgDRg33nAWUHA=="/>
   <p:extLst>
     <p:ext uri="{EFAFB233-063F-42B5-8137-9DF3F51BA10A}">
       <p15:sldGuideLst xmlns:p15="http://schemas.microsoft.com/office/powerpoint/2012/main"/>
@@ -222,7 +221,7 @@
           <a:p>
             <a:fld id="{9418EEB3-6E95-4294-BCBD-343443EE35B9}" type="datetimeFigureOut">
               <a:rPr lang="en-US" smtClean="0"/>
-              <a:t>2/23/2020</a:t>
+              <a:t>2/29/2020</a:t>
             </a:fld>
             <a:endParaRPr lang="en-US"/>
           </a:p>
@@ -2021,7 +2020,7 @@
           <a:p>
             <a:fld id="{9C9F888B-2854-465E-A2E3-569F462F85CA}" type="datetime1">
               <a:rPr lang="en-US" smtClean="0"/>
-              <a:t>2/23/2020</a:t>
+              <a:t>2/29/2020</a:t>
             </a:fld>
             <a:endParaRPr lang="en-US"/>
           </a:p>
@@ -2319,7 +2318,7 @@
           <a:p>
             <a:fld id="{343E3395-E2D6-4310-8F32-1CAB44C460D5}" type="datetime1">
               <a:rPr lang="en-US" smtClean="0"/>
-              <a:t>2/23/2020</a:t>
+              <a:t>2/29/2020</a:t>
             </a:fld>
             <a:endParaRPr lang="en-US"/>
           </a:p>
@@ -2511,7 +2510,7 @@
           <a:p>
             <a:fld id="{1D4D012A-0343-4851-8DD4-73CB86EEE173}" type="datetime1">
               <a:rPr lang="en-US" smtClean="0"/>
-              <a:t>2/23/2020</a:t>
+              <a:t>2/29/2020</a:t>
             </a:fld>
             <a:endParaRPr lang="en-US"/>
           </a:p>
@@ -2772,7 +2771,7 @@
           <a:p>
             <a:fld id="{664204B9-4879-45AC-954E-6BF1882B2638}" type="datetime1">
               <a:rPr lang="en-US" smtClean="0"/>
-              <a:t>2/23/2020</a:t>
+              <a:t>2/29/2020</a:t>
             </a:fld>
             <a:endParaRPr lang="en-US"/>
           </a:p>
@@ -3196,7 +3195,7 @@
           <a:p>
             <a:fld id="{FB86EA1A-C41D-421A-B6EF-3C7913264ADE}" type="datetime1">
               <a:rPr lang="en-US" smtClean="0"/>
-              <a:t>2/23/2020</a:t>
+              <a:t>2/29/2020</a:t>
             </a:fld>
             <a:endParaRPr lang="en-US"/>
           </a:p>
@@ -3733,7 +3732,7 @@
           <a:p>
             <a:fld id="{071DFE33-4671-4147-B879-590A65C0A915}" type="datetime1">
               <a:rPr lang="en-US" smtClean="0"/>
-              <a:t>2/23/2020</a:t>
+              <a:t>2/29/2020</a:t>
             </a:fld>
             <a:endParaRPr lang="en-US"/>
           </a:p>
@@ -4597,7 +4596,7 @@
           <a:p>
             <a:fld id="{743DD429-1F69-464C-BDFD-EF843ADA4263}" type="datetime1">
               <a:rPr lang="en-US" smtClean="0"/>
-              <a:t>2/23/2020</a:t>
+              <a:t>2/29/2020</a:t>
             </a:fld>
             <a:endParaRPr lang="en-US"/>
           </a:p>
@@ -4767,7 +4766,7 @@
           <a:p>
             <a:fld id="{4060463C-66FE-4665-ADF4-EECDD5E1F752}" type="datetime1">
               <a:rPr lang="en-US" smtClean="0"/>
-              <a:t>2/23/2020</a:t>
+              <a:t>2/29/2020</a:t>
             </a:fld>
             <a:endParaRPr lang="en-US"/>
           </a:p>
@@ -4951,7 +4950,7 @@
           <a:p>
             <a:fld id="{1764A9B7-D0C7-4BA9-B348-897438B812CB}" type="datetime1">
               <a:rPr lang="en-US" smtClean="0"/>
-              <a:t>2/23/2020</a:t>
+              <a:t>2/29/2020</a:t>
             </a:fld>
             <a:endParaRPr lang="en-US"/>
           </a:p>
@@ -5121,7 +5120,7 @@
           <a:p>
             <a:fld id="{E03E8700-30BE-4C97-A131-60862B3BF6BA}" type="datetime1">
               <a:rPr lang="en-US" smtClean="0"/>
-              <a:t>2/23/2020</a:t>
+              <a:t>2/29/2020</a:t>
             </a:fld>
             <a:endParaRPr lang="en-US"/>
           </a:p>
@@ -5365,7 +5364,7 @@
           <a:p>
             <a:fld id="{28D1DB8F-3DCB-42AB-81DA-C4A0215ED384}" type="datetime1">
               <a:rPr lang="en-US" smtClean="0"/>
-              <a:t>2/23/2020</a:t>
+              <a:t>2/29/2020</a:t>
             </a:fld>
             <a:endParaRPr lang="en-US"/>
           </a:p>
@@ -5601,7 +5600,7 @@
           <a:p>
             <a:fld id="{E4B48E24-607C-4049-9E7D-7750DF56F9A3}" type="datetime1">
               <a:rPr lang="en-US" smtClean="0"/>
-              <a:t>2/23/2020</a:t>
+              <a:t>2/29/2020</a:t>
             </a:fld>
             <a:endParaRPr lang="en-US"/>
           </a:p>
@@ -6067,7 +6066,7 @@
           <a:p>
             <a:fld id="{542C34EC-3FE0-408C-8390-3D5D397F893E}" type="datetime1">
               <a:rPr lang="en-US" smtClean="0"/>
-              <a:t>2/23/2020</a:t>
+              <a:t>2/29/2020</a:t>
             </a:fld>
             <a:endParaRPr lang="en-US"/>
           </a:p>
@@ -6185,7 +6184,7 @@
           <a:p>
             <a:fld id="{9A21E9E5-89C9-4DC8-8CA3-E6FCD645DD7C}" type="datetime1">
               <a:rPr lang="en-US" smtClean="0"/>
-              <a:t>2/23/2020</a:t>
+              <a:t>2/29/2020</a:t>
             </a:fld>
             <a:endParaRPr lang="en-US"/>
           </a:p>
@@ -6280,7 +6279,7 @@
           <a:p>
             <a:fld id="{45BC83E4-22EF-4AEA-95D8-926998569E42}" type="datetime1">
               <a:rPr lang="en-US" smtClean="0"/>
-              <a:t>2/23/2020</a:t>
+              <a:t>2/29/2020</a:t>
             </a:fld>
             <a:endParaRPr lang="en-US"/>
           </a:p>
@@ -6535,7 +6534,7 @@
           <a:p>
             <a:fld id="{8C50A1E4-6643-4EE1-B3F4-D2FD6C571667}" type="datetime1">
               <a:rPr lang="en-US" smtClean="0"/>
-              <a:t>2/23/2020</a:t>
+              <a:t>2/29/2020</a:t>
             </a:fld>
             <a:endParaRPr lang="en-US"/>
           </a:p>
@@ -6835,7 +6834,7 @@
           <a:p>
             <a:fld id="{E443876F-3216-4CD8-8CE1-E6D949709CE2}" type="datetime1">
               <a:rPr lang="en-US" smtClean="0"/>
-              <a:t>2/23/2020</a:t>
+              <a:t>2/29/2020</a:t>
             </a:fld>
             <a:endParaRPr lang="en-US"/>
           </a:p>
@@ -7121,7 +7120,7 @@
           <a:p>
             <a:fld id="{5F8E7EC7-A628-4E7C-AE15-D1072741F9F3}" type="datetime1">
               <a:rPr lang="en-US" smtClean="0"/>
-              <a:t>2/23/2020</a:t>
+              <a:t>2/29/2020</a:t>
             </a:fld>
             <a:endParaRPr lang="en-US"/>
           </a:p>
